--- a/GNGather발표자료/GN GatherTown발표자료.pptx
+++ b/GNGather발표자료/GN GatherTown발표자료.pptx
@@ -2,7 +2,7 @@
 <file path=ppt/presentation.xml><?xml version="1.0" encoding="utf-8"?>
 <p:presentation xmlns:r="http://schemas.openxmlformats.org/officeDocument/2006/relationships" xmlns:c="http://schemas.openxmlformats.org/drawingml/2006/chart" xmlns:a="http://schemas.openxmlformats.org/drawingml/2006/main" xmlns:dgm="http://schemas.openxmlformats.org/drawingml/2006/diagram" xmlns:dsp="http://schemas.microsoft.com/office/drawing/2008/diagram" xmlns:p="http://schemas.openxmlformats.org/presentationml/2006/main" showSpecialPlsOnTitleSld="0">
   <p:sldMasterIdLst>
-    <p:sldMasterId id="2147483730" r:id="rId1"/>
+    <p:sldMasterId id="2147483733" r:id="rId1"/>
   </p:sldMasterIdLst>
   <p:notesMasterIdLst>
     <p:notesMasterId r:id="rId2"/>
@@ -214,7 +214,7 @@
               <a:pPr lvl="0">
                 <a:defRPr/>
               </a:pPr>
-              <a:t>2022-11-03</a:t>
+              <a:t>2022-11-04</a:t>
             </a:fld>
             <a:endParaRPr lang="ko-KR" altLang="en-US"/>
           </a:p>
@@ -6152,7 +6152,7 @@
         </p:nvSpPr>
         <p:spPr>
           <a:xfrm>
-            <a:off x="739638" y="2677622"/>
+            <a:off x="1703048" y="1937984"/>
             <a:ext cx="3047469" cy="1004715"/>
           </a:xfrm>
           <a:prstGeom prst="rect">
@@ -6277,7 +6277,7 @@
         </p:nvSpPr>
         <p:spPr>
           <a:xfrm>
-            <a:off x="3217266" y="2679185"/>
+            <a:off x="4180676" y="1939547"/>
             <a:ext cx="3047469" cy="698388"/>
           </a:xfrm>
           <a:prstGeom prst="rect">
@@ -6378,7 +6378,7 @@
         </p:nvSpPr>
         <p:spPr>
           <a:xfrm>
-            <a:off x="5767903" y="2679185"/>
+            <a:off x="6731314" y="1939547"/>
             <a:ext cx="3047469" cy="698388"/>
           </a:xfrm>
           <a:prstGeom prst="rect">
@@ -6479,7 +6479,7 @@
         </p:nvSpPr>
         <p:spPr>
           <a:xfrm>
-            <a:off x="8553477" y="2636373"/>
+            <a:off x="5422770" y="4141327"/>
             <a:ext cx="3047413" cy="693588"/>
           </a:xfrm>
           <a:prstGeom prst="rect">
@@ -6590,7 +6590,7 @@
         </p:blipFill>
         <p:spPr>
           <a:xfrm>
-            <a:off x="1144370" y="3723587"/>
+            <a:off x="2107780" y="2983949"/>
             <a:ext cx="2237947" cy="887275"/>
           </a:xfrm>
           <a:prstGeom prst="rect">
@@ -6624,7 +6624,7 @@
         </p:blipFill>
         <p:spPr>
           <a:xfrm>
-            <a:off x="4060110" y="3599783"/>
+            <a:off x="5023521" y="2860145"/>
             <a:ext cx="1345927" cy="1134881"/>
           </a:xfrm>
           <a:prstGeom prst="rect">
@@ -6658,7 +6658,7 @@
         </p:blipFill>
         <p:spPr>
           <a:xfrm>
-            <a:off x="6083775" y="3723587"/>
+            <a:off x="7047186" y="2983949"/>
             <a:ext cx="2469702" cy="860259"/>
           </a:xfrm>
           <a:prstGeom prst="rect">
@@ -6692,7 +6692,7 @@
         </p:blipFill>
         <p:spPr>
           <a:xfrm>
-            <a:off x="8993152" y="3723587"/>
+            <a:off x="5691002" y="5278554"/>
             <a:ext cx="2230021" cy="1030112"/>
           </a:xfrm>
           <a:prstGeom prst="rect">
@@ -6769,6 +6769,123 @@
               </a:solidFill>
               <a:latin typeface="궁서체"/>
               <a:ea typeface="궁서체"/>
+            </a:endParaRPr>
+          </a:p>
+        </p:txBody>
+      </p:sp>
+      <p:pic>
+        <p:nvPicPr>
+          <p:cNvPr id="6157" name=""/>
+          <p:cNvPicPr>
+            <a:picLocks noChangeAspect="1"/>
+          </p:cNvPicPr>
+          <p:nvPr/>
+        </p:nvPicPr>
+        <p:blipFill rotWithShape="1">
+          <a:blip r:embed="rId6"/>
+          <a:stretch>
+            <a:fillRect/>
+          </a:stretch>
+        </p:blipFill>
+        <p:spPr>
+          <a:xfrm>
+            <a:off x="3284239" y="4998932"/>
+            <a:ext cx="1872302" cy="1453788"/>
+          </a:xfrm>
+          <a:prstGeom prst="rect">
+            <a:avLst/>
+          </a:prstGeom>
+        </p:spPr>
+      </p:pic>
+      <p:sp>
+        <p:nvSpPr>
+          <p:cNvPr id="6158" name=""/>
+          <p:cNvSpPr txBox="1"/>
+          <p:nvPr/>
+        </p:nvSpPr>
+        <p:spPr>
+          <a:xfrm>
+            <a:off x="2708023" y="4030484"/>
+            <a:ext cx="3047413" cy="693588"/>
+          </a:xfrm>
+          <a:prstGeom prst="rect">
+            <a:avLst/>
+          </a:prstGeom>
+          <a:noFill/>
+          <a:ln w="9525" cap="flat" cmpd="sng" algn="ctr">
+            <a:noFill/>
+            <a:prstDash val="solid"/>
+            <a:round/>
+            <a:headEnd w="med" len="med"/>
+            <a:tailEnd w="med" len="med"/>
+          </a:ln>
+        </p:spPr>
+        <p:txBody>
+          <a:bodyPr vert="horz" wrap="square" lIns="91440" tIns="45720" rIns="91440" bIns="45720" anchor="t">
+            <a:spAutoFit/>
+          </a:bodyPr>
+          <a:p>
+            <a:pPr marL="0" lvl="0" indent="0" algn="ctr" defTabSz="1028836" rtl="0" eaLnBrk="1" latinLnBrk="1" hangingPunct="1">
+              <a:lnSpc>
+                <a:spcPct val="100000"/>
+              </a:lnSpc>
+              <a:spcBef>
+                <a:spcPct val="0"/>
+              </a:spcBef>
+              <a:spcAft>
+                <a:spcPct val="0"/>
+              </a:spcAft>
+              <a:buNone/>
+              <a:defRPr/>
+            </a:pPr>
+            <a:r>
+              <a:rPr xmlns:mc="http://schemas.openxmlformats.org/markup-compatibility/2006" xmlns:hp="http://schemas.haansoft.com/office/presentation/8.0" kumimoji="1" lang="ko-KR" altLang="en-US" sz="2000" b="0" i="0" u="none" strike="noStrike" kern="1200" cap="none" spc="0" normalizeH="0" baseline="0" mc:Ignorable="hp" hp:hslEmbossed="0">
+                <a:solidFill>
+                  <a:srgbClr val="000000"/>
+                </a:solidFill>
+                <a:latin typeface="한컴 고딕"/>
+                <a:ea typeface="한컴 고딕"/>
+              </a:rPr>
+              <a:t>웹 서버</a:t>
+            </a:r>
+            <a:endParaRPr xmlns:mc="http://schemas.openxmlformats.org/markup-compatibility/2006" xmlns:hp="http://schemas.haansoft.com/office/presentation/8.0" kumimoji="1" lang="ko-KR" altLang="en-US" sz="2000" b="0" i="0" u="none" strike="noStrike" kern="1200" cap="none" spc="0" normalizeH="0" baseline="0" mc:Ignorable="hp" hp:hslEmbossed="0">
+              <a:solidFill>
+                <a:srgbClr val="000000"/>
+              </a:solidFill>
+              <a:latin typeface="한컴 고딕"/>
+              <a:ea typeface="한컴 고딕"/>
+            </a:endParaRPr>
+          </a:p>
+          <a:p>
+            <a:pPr marL="0" lvl="0" indent="0" algn="ctr" defTabSz="1028836" rtl="0" eaLnBrk="1" latinLnBrk="1" hangingPunct="1">
+              <a:lnSpc>
+                <a:spcPct val="100000"/>
+              </a:lnSpc>
+              <a:spcBef>
+                <a:spcPct val="0"/>
+              </a:spcBef>
+              <a:spcAft>
+                <a:spcPct val="0"/>
+              </a:spcAft>
+              <a:buNone/>
+              <a:defRPr/>
+            </a:pPr>
+            <a:r>
+              <a:rPr xmlns:mc="http://schemas.openxmlformats.org/markup-compatibility/2006" xmlns:hp="http://schemas.haansoft.com/office/presentation/8.0" kumimoji="1" lang="en-US" altLang="ko-KR" sz="2000" b="0" i="0" u="none" strike="noStrike" kern="1200" cap="none" spc="0" normalizeH="0" baseline="0" mc:Ignorable="hp" hp:hslEmbossed="0">
+                <a:solidFill>
+                  <a:srgbClr val="000000"/>
+                </a:solidFill>
+                <a:latin typeface="한컴 고딕"/>
+                <a:ea typeface="한컴 고딕"/>
+              </a:rPr>
+              <a:t>ASP.NET CORE</a:t>
+            </a:r>
+            <a:endParaRPr xmlns:mc="http://schemas.openxmlformats.org/markup-compatibility/2006" xmlns:hp="http://schemas.haansoft.com/office/presentation/8.0" kumimoji="1" lang="en-US" altLang="ko-KR" sz="2000" b="0" i="0" u="none" strike="noStrike" kern="1200" cap="none" spc="0" normalizeH="0" baseline="0" mc:Ignorable="hp" hp:hslEmbossed="0">
+              <a:solidFill>
+                <a:srgbClr val="000000"/>
+              </a:solidFill>
+              <a:latin typeface="한컴 고딕"/>
+              <a:ea typeface="한컴 고딕"/>
             </a:endParaRPr>
           </a:p>
         </p:txBody>
